--- a/Figures/figures.pptx
+++ b/Figures/figures.pptx
@@ -247,7 +247,7 @@
           <a:p>
             <a:fld id="{8EE0372C-B4F1-1F42-BCA1-9189A7DB4B2C}" type="datetimeFigureOut">
               <a:rPr lang="en-US" smtClean="0"/>
-              <a:t>2/18/17</a:t>
+              <a:t>6/22/17</a:t>
             </a:fld>
             <a:endParaRPr lang="en-US"/>
           </a:p>
@@ -417,7 +417,7 @@
           <a:p>
             <a:fld id="{8EE0372C-B4F1-1F42-BCA1-9189A7DB4B2C}" type="datetimeFigureOut">
               <a:rPr lang="en-US" smtClean="0"/>
-              <a:t>2/18/17</a:t>
+              <a:t>6/22/17</a:t>
             </a:fld>
             <a:endParaRPr lang="en-US"/>
           </a:p>
@@ -597,7 +597,7 @@
           <a:p>
             <a:fld id="{8EE0372C-B4F1-1F42-BCA1-9189A7DB4B2C}" type="datetimeFigureOut">
               <a:rPr lang="en-US" smtClean="0"/>
-              <a:t>2/18/17</a:t>
+              <a:t>6/22/17</a:t>
             </a:fld>
             <a:endParaRPr lang="en-US"/>
           </a:p>
@@ -767,7 +767,7 @@
           <a:p>
             <a:fld id="{8EE0372C-B4F1-1F42-BCA1-9189A7DB4B2C}" type="datetimeFigureOut">
               <a:rPr lang="en-US" smtClean="0"/>
-              <a:t>2/18/17</a:t>
+              <a:t>6/22/17</a:t>
             </a:fld>
             <a:endParaRPr lang="en-US"/>
           </a:p>
@@ -1013,7 +1013,7 @@
           <a:p>
             <a:fld id="{8EE0372C-B4F1-1F42-BCA1-9189A7DB4B2C}" type="datetimeFigureOut">
               <a:rPr lang="en-US" smtClean="0"/>
-              <a:t>2/18/17</a:t>
+              <a:t>6/22/17</a:t>
             </a:fld>
             <a:endParaRPr lang="en-US"/>
           </a:p>
@@ -1245,7 +1245,7 @@
           <a:p>
             <a:fld id="{8EE0372C-B4F1-1F42-BCA1-9189A7DB4B2C}" type="datetimeFigureOut">
               <a:rPr lang="en-US" smtClean="0"/>
-              <a:t>2/18/17</a:t>
+              <a:t>6/22/17</a:t>
             </a:fld>
             <a:endParaRPr lang="en-US"/>
           </a:p>
@@ -1612,7 +1612,7 @@
           <a:p>
             <a:fld id="{8EE0372C-B4F1-1F42-BCA1-9189A7DB4B2C}" type="datetimeFigureOut">
               <a:rPr lang="en-US" smtClean="0"/>
-              <a:t>2/18/17</a:t>
+              <a:t>6/22/17</a:t>
             </a:fld>
             <a:endParaRPr lang="en-US"/>
           </a:p>
@@ -1730,7 +1730,7 @@
           <a:p>
             <a:fld id="{8EE0372C-B4F1-1F42-BCA1-9189A7DB4B2C}" type="datetimeFigureOut">
               <a:rPr lang="en-US" smtClean="0"/>
-              <a:t>2/18/17</a:t>
+              <a:t>6/22/17</a:t>
             </a:fld>
             <a:endParaRPr lang="en-US"/>
           </a:p>
@@ -1825,7 +1825,7 @@
           <a:p>
             <a:fld id="{8EE0372C-B4F1-1F42-BCA1-9189A7DB4B2C}" type="datetimeFigureOut">
               <a:rPr lang="en-US" smtClean="0"/>
-              <a:t>2/18/17</a:t>
+              <a:t>6/22/17</a:t>
             </a:fld>
             <a:endParaRPr lang="en-US"/>
           </a:p>
@@ -2102,7 +2102,7 @@
           <a:p>
             <a:fld id="{8EE0372C-B4F1-1F42-BCA1-9189A7DB4B2C}" type="datetimeFigureOut">
               <a:rPr lang="en-US" smtClean="0"/>
-              <a:t>2/18/17</a:t>
+              <a:t>6/22/17</a:t>
             </a:fld>
             <a:endParaRPr lang="en-US"/>
           </a:p>
@@ -2355,7 +2355,7 @@
           <a:p>
             <a:fld id="{8EE0372C-B4F1-1F42-BCA1-9189A7DB4B2C}" type="datetimeFigureOut">
               <a:rPr lang="en-US" smtClean="0"/>
-              <a:t>2/18/17</a:t>
+              <a:t>6/22/17</a:t>
             </a:fld>
             <a:endParaRPr lang="en-US"/>
           </a:p>
@@ -2568,7 +2568,7 @@
           <a:p>
             <a:fld id="{8EE0372C-B4F1-1F42-BCA1-9189A7DB4B2C}" type="datetimeFigureOut">
               <a:rPr lang="en-US" smtClean="0"/>
-              <a:t>2/18/17</a:t>
+              <a:t>6/22/17</a:t>
             </a:fld>
             <a:endParaRPr lang="en-US"/>
           </a:p>
@@ -3581,21 +3581,21 @@
       </p:grpSpPr>
       <p:grpSp>
         <p:nvGrpSpPr>
-          <p:cNvPr id="45" name="Group 44"/>
+          <p:cNvPr id="3" name="Group 2"/>
           <p:cNvGrpSpPr/>
           <p:nvPr/>
         </p:nvGrpSpPr>
         <p:grpSpPr>
           <a:xfrm>
-            <a:off x="201168" y="1322174"/>
-            <a:ext cx="11576304" cy="3100114"/>
-            <a:chOff x="201168" y="1322174"/>
-            <a:chExt cx="11576304" cy="3100114"/>
+            <a:off x="262890" y="1323295"/>
+            <a:ext cx="11461986" cy="3100114"/>
+            <a:chOff x="262890" y="1323295"/>
+            <a:chExt cx="11461986" cy="3100114"/>
           </a:xfrm>
         </p:grpSpPr>
         <p:pic>
           <p:nvPicPr>
-            <p:cNvPr id="44" name="Picture 43"/>
+            <p:cNvPr id="2" name="Picture 1"/>
             <p:cNvPicPr>
               <a:picLocks noChangeAspect="1"/>
             </p:cNvPicPr>
@@ -3615,8 +3615,8 @@
           </p:blipFill>
           <p:spPr>
             <a:xfrm>
-              <a:off x="201168" y="1322174"/>
-              <a:ext cx="11576304" cy="3100114"/>
+              <a:off x="262890" y="1323295"/>
+              <a:ext cx="11461986" cy="3100114"/>
             </a:xfrm>
             <a:prstGeom prst="rect">
               <a:avLst/>
@@ -4087,7 +4087,7 @@
           </p:nvGrpSpPr>
           <p:grpSpPr>
             <a:xfrm>
-              <a:off x="8189137" y="3846779"/>
+              <a:off x="8170917" y="3827326"/>
               <a:ext cx="3535739" cy="448839"/>
               <a:chOff x="353576" y="3827326"/>
               <a:chExt cx="3535739" cy="448839"/>
